--- a/Real Time Sign Language Translator.pptx
+++ b/Real Time Sign Language Translator.pptx
@@ -110,6 +110,11 @@
       </a:defRPr>
     </a:lvl9pPr>
   </p:defaultTextStyle>
+  <p:extLst>
+    <p:ext uri="{EFAFB233-063F-42B5-8137-9DF3F51BA10A}">
+      <p15:sldGuideLst xmlns:p15="http://schemas.microsoft.com/office/powerpoint/2012/main"/>
+    </p:ext>
+  </p:extLst>
 </p:presentation>
 </file>
 
@@ -299,7 +304,7 @@
           <a:p>
             <a:fld id="{551AC95F-F609-47E1-9B52-7383955B8551}" type="datetimeFigureOut">
               <a:rPr lang="en-IN" smtClean="0"/>
-              <a:t>19-04-2022</a:t>
+              <a:t>20-04-2022</a:t>
             </a:fld>
             <a:endParaRPr lang="en-IN"/>
           </a:p>
@@ -574,7 +579,7 @@
           <a:p>
             <a:fld id="{551AC95F-F609-47E1-9B52-7383955B8551}" type="datetimeFigureOut">
               <a:rPr lang="en-IN" smtClean="0"/>
-              <a:t>19-04-2022</a:t>
+              <a:t>20-04-2022</a:t>
             </a:fld>
             <a:endParaRPr lang="en-IN"/>
           </a:p>
@@ -768,7 +773,7 @@
           <a:p>
             <a:fld id="{551AC95F-F609-47E1-9B52-7383955B8551}" type="datetimeFigureOut">
               <a:rPr lang="en-IN" smtClean="0"/>
-              <a:t>19-04-2022</a:t>
+              <a:t>20-04-2022</a:t>
             </a:fld>
             <a:endParaRPr lang="en-IN"/>
           </a:p>
@@ -1041,7 +1046,7 @@
           <a:p>
             <a:fld id="{551AC95F-F609-47E1-9B52-7383955B8551}" type="datetimeFigureOut">
               <a:rPr lang="en-IN" smtClean="0"/>
-              <a:t>19-04-2022</a:t>
+              <a:t>20-04-2022</a:t>
             </a:fld>
             <a:endParaRPr lang="en-IN"/>
           </a:p>
@@ -1382,7 +1387,7 @@
           <a:p>
             <a:fld id="{551AC95F-F609-47E1-9B52-7383955B8551}" type="datetimeFigureOut">
               <a:rPr lang="en-IN" smtClean="0"/>
-              <a:t>19-04-2022</a:t>
+              <a:t>20-04-2022</a:t>
             </a:fld>
             <a:endParaRPr lang="en-IN"/>
           </a:p>
@@ -2005,7 +2010,7 @@
           <a:p>
             <a:fld id="{551AC95F-F609-47E1-9B52-7383955B8551}" type="datetimeFigureOut">
               <a:rPr lang="en-IN" smtClean="0"/>
-              <a:t>19-04-2022</a:t>
+              <a:t>20-04-2022</a:t>
             </a:fld>
             <a:endParaRPr lang="en-IN"/>
           </a:p>
@@ -2865,7 +2870,7 @@
           <a:p>
             <a:fld id="{551AC95F-F609-47E1-9B52-7383955B8551}" type="datetimeFigureOut">
               <a:rPr lang="en-IN" smtClean="0"/>
-              <a:t>19-04-2022</a:t>
+              <a:t>20-04-2022</a:t>
             </a:fld>
             <a:endParaRPr lang="en-IN"/>
           </a:p>
@@ -3035,7 +3040,7 @@
           <a:p>
             <a:fld id="{551AC95F-F609-47E1-9B52-7383955B8551}" type="datetimeFigureOut">
               <a:rPr lang="en-IN" smtClean="0"/>
-              <a:t>19-04-2022</a:t>
+              <a:t>20-04-2022</a:t>
             </a:fld>
             <a:endParaRPr lang="en-IN"/>
           </a:p>
@@ -3215,7 +3220,7 @@
           <a:p>
             <a:fld id="{551AC95F-F609-47E1-9B52-7383955B8551}" type="datetimeFigureOut">
               <a:rPr lang="en-IN" smtClean="0"/>
-              <a:t>19-04-2022</a:t>
+              <a:t>20-04-2022</a:t>
             </a:fld>
             <a:endParaRPr lang="en-IN"/>
           </a:p>
@@ -3385,7 +3390,7 @@
           <a:p>
             <a:fld id="{551AC95F-F609-47E1-9B52-7383955B8551}" type="datetimeFigureOut">
               <a:rPr lang="en-IN" smtClean="0"/>
-              <a:t>19-04-2022</a:t>
+              <a:t>20-04-2022</a:t>
             </a:fld>
             <a:endParaRPr lang="en-IN"/>
           </a:p>
@@ -3632,7 +3637,7 @@
           <a:p>
             <a:fld id="{551AC95F-F609-47E1-9B52-7383955B8551}" type="datetimeFigureOut">
               <a:rPr lang="en-IN" smtClean="0"/>
-              <a:t>19-04-2022</a:t>
+              <a:t>20-04-2022</a:t>
             </a:fld>
             <a:endParaRPr lang="en-IN"/>
           </a:p>
@@ -3924,7 +3929,7 @@
           <a:p>
             <a:fld id="{551AC95F-F609-47E1-9B52-7383955B8551}" type="datetimeFigureOut">
               <a:rPr lang="en-IN" smtClean="0"/>
-              <a:t>19-04-2022</a:t>
+              <a:t>20-04-2022</a:t>
             </a:fld>
             <a:endParaRPr lang="en-IN"/>
           </a:p>
@@ -4368,7 +4373,7 @@
           <a:p>
             <a:fld id="{551AC95F-F609-47E1-9B52-7383955B8551}" type="datetimeFigureOut">
               <a:rPr lang="en-IN" smtClean="0"/>
-              <a:t>19-04-2022</a:t>
+              <a:t>20-04-2022</a:t>
             </a:fld>
             <a:endParaRPr lang="en-IN"/>
           </a:p>
@@ -4486,7 +4491,7 @@
           <a:p>
             <a:fld id="{551AC95F-F609-47E1-9B52-7383955B8551}" type="datetimeFigureOut">
               <a:rPr lang="en-IN" smtClean="0"/>
-              <a:t>19-04-2022</a:t>
+              <a:t>20-04-2022</a:t>
             </a:fld>
             <a:endParaRPr lang="en-IN"/>
           </a:p>
@@ -4581,7 +4586,7 @@
           <a:p>
             <a:fld id="{551AC95F-F609-47E1-9B52-7383955B8551}" type="datetimeFigureOut">
               <a:rPr lang="en-IN" smtClean="0"/>
-              <a:t>19-04-2022</a:t>
+              <a:t>20-04-2022</a:t>
             </a:fld>
             <a:endParaRPr lang="en-IN"/>
           </a:p>
@@ -4860,7 +4865,7 @@
           <a:p>
             <a:fld id="{551AC95F-F609-47E1-9B52-7383955B8551}" type="datetimeFigureOut">
               <a:rPr lang="en-IN" smtClean="0"/>
-              <a:t>19-04-2022</a:t>
+              <a:t>20-04-2022</a:t>
             </a:fld>
             <a:endParaRPr lang="en-IN"/>
           </a:p>
@@ -5135,7 +5140,7 @@
           <a:p>
             <a:fld id="{551AC95F-F609-47E1-9B52-7383955B8551}" type="datetimeFigureOut">
               <a:rPr lang="en-IN" smtClean="0"/>
-              <a:t>19-04-2022</a:t>
+              <a:t>20-04-2022</a:t>
             </a:fld>
             <a:endParaRPr lang="en-IN"/>
           </a:p>
@@ -5564,7 +5569,7 @@
           <a:p>
             <a:fld id="{551AC95F-F609-47E1-9B52-7383955B8551}" type="datetimeFigureOut">
               <a:rPr lang="en-IN" smtClean="0"/>
-              <a:t>19-04-2022</a:t>
+              <a:t>20-04-2022</a:t>
             </a:fld>
             <a:endParaRPr lang="en-IN"/>
           </a:p>
@@ -6110,8 +6115,8 @@
         </p:nvSpPr>
         <p:spPr>
           <a:xfrm>
-            <a:off x="781664" y="-336612"/>
-            <a:ext cx="9693558" cy="3329581"/>
+            <a:off x="340710" y="545976"/>
+            <a:ext cx="9693558" cy="1800951"/>
           </a:xfrm>
         </p:spPr>
         <p:txBody>
@@ -6119,13 +6124,13 @@
           <a:lstStyle/>
           <a:p>
             <a:r>
-              <a:rPr lang="en-IN" b="1" i="1" dirty="0">
+              <a:rPr lang="en-IN" sz="4400" b="1" i="1" dirty="0">
                 <a:solidFill>
                   <a:srgbClr val="FFFF00"/>
                 </a:solidFill>
                 <a:latin typeface="Arial Narrow" panose="020B0606020202030204" pitchFamily="34" charset="0"/>
               </a:rPr>
-              <a:t>Real Time Sign Language Translator</a:t>
+              <a:t>“Real time” Hand Gesture Recognition and Live Hand Sign Translator with Speech Support</a:t>
             </a:r>
           </a:p>
         </p:txBody>
@@ -6148,7 +6153,7 @@
         </p:nvSpPr>
         <p:spPr>
           <a:xfrm>
-            <a:off x="1092812" y="4155944"/>
+            <a:off x="380269" y="3061320"/>
             <a:ext cx="8825658" cy="2156080"/>
           </a:xfrm>
         </p:spPr>
@@ -6170,31 +6175,47 @@
           <a:p>
             <a:r>
               <a:rPr lang="en-IN" dirty="0"/>
-              <a:t>20l31a5413</a:t>
-            </a:r>
-          </a:p>
-          <a:p>
+              <a:t>Sasi Vatsal - 20l31a5413</a:t>
+            </a:r>
+          </a:p>
+          <a:p>
+            <a:r>
+              <a:rPr lang="en-IN" dirty="0" err="1"/>
+              <a:t>Thrushith</a:t>
+            </a:r>
             <a:r>
               <a:rPr lang="en-IN" dirty="0"/>
-              <a:t>20l31a5461</a:t>
-            </a:r>
-          </a:p>
-          <a:p>
+              <a:t> - 20l31a5461</a:t>
+            </a:r>
+          </a:p>
+          <a:p>
+            <a:r>
+              <a:rPr lang="en-IN" dirty="0" err="1"/>
+              <a:t>Jagan</a:t>
+            </a:r>
             <a:r>
               <a:rPr lang="en-IN" dirty="0"/>
-              <a:t>20l31a5449</a:t>
-            </a:r>
-          </a:p>
-          <a:p>
+              <a:t> - 20l31a5449</a:t>
+            </a:r>
+          </a:p>
+          <a:p>
+            <a:r>
+              <a:rPr lang="en-IN" dirty="0" err="1"/>
+              <a:t>Shaieen</a:t>
+            </a:r>
             <a:r>
               <a:rPr lang="en-IN" dirty="0"/>
-              <a:t>21l31a5405</a:t>
-            </a:r>
-          </a:p>
-          <a:p>
+              <a:t> - 21l31a5405</a:t>
+            </a:r>
+          </a:p>
+          <a:p>
+            <a:r>
+              <a:rPr lang="en-IN" dirty="0" err="1"/>
+              <a:t>Dattu</a:t>
+            </a:r>
             <a:r>
               <a:rPr lang="en-IN" dirty="0"/>
-              <a:t>20l31a5446</a:t>
+              <a:t> rebel - 20l31a5446</a:t>
             </a:r>
           </a:p>
         </p:txBody>
@@ -6227,7 +6248,7 @@
         </p:blipFill>
         <p:spPr>
           <a:xfrm>
-            <a:off x="6563558" y="2575718"/>
+            <a:off x="6563558" y="2386566"/>
             <a:ext cx="5364214" cy="4023161"/>
           </a:xfrm>
           <a:prstGeom prst="rect">
@@ -7132,25 +7153,12 @@
           <a:p>
             <a:r>
               <a:rPr lang="en-US" b="1" dirty="0">
-                <a:solidFill>
-                  <a:schemeClr val="bg1">
-                    <a:lumMod val="95000"/>
-                    <a:lumOff val="5000"/>
-                  </a:schemeClr>
-                </a:solidFill>
                 <a:effectLst/>
                 <a:latin typeface="charter"/>
               </a:rPr>
               <a:t>It is a very difficult world when we are unable to interact with our fellow mates. Imagine the world for deaf and mute, they face more challenges in communicating than we do, they surely can use sign languages but how many of us are thorough with the sign languages. Hence, we recognized this problem and thought of making the interaction easier. We are using a Leap Motion Controller for the gesture recognition for which we created a Machine Learning model that will detect the gesture and tell it further to the people who are not aware of the sign language, hence making it easier for interaction.</a:t>
             </a:r>
-            <a:endParaRPr lang="en-IN" b="1" dirty="0">
-              <a:solidFill>
-                <a:schemeClr val="bg1">
-                  <a:lumMod val="95000"/>
-                  <a:lumOff val="5000"/>
-                </a:schemeClr>
-              </a:solidFill>
-            </a:endParaRPr>
+            <a:endParaRPr lang="en-IN" b="1" dirty="0"/>
           </a:p>
         </p:txBody>
       </p:sp>
@@ -8214,7 +8222,23 @@
                   <a:srgbClr val="FFFF00"/>
                 </a:solidFill>
               </a:rPr>
-              <a:t>ACCURACY = 98.06%</a:t>
+              <a:t>ACCURACY </a:t>
+            </a:r>
+            <a:r>
+              <a:rPr lang="en-IN" sz="1800" b="1" i="1">
+                <a:solidFill>
+                  <a:srgbClr val="FFFF00"/>
+                </a:solidFill>
+              </a:rPr>
+              <a:t>= 94.0643 </a:t>
+            </a:r>
+            <a:r>
+              <a:rPr lang="en-IN" sz="1800" b="1" i="1" dirty="0">
+                <a:solidFill>
+                  <a:srgbClr val="FFFF00"/>
+                </a:solidFill>
+              </a:rPr>
+              <a:t>%</a:t>
             </a:r>
             <a:r>
               <a:rPr lang="en-IN" sz="2400" b="1" i="1" dirty="0">
